--- a/LostArk/배경.pptx
+++ b/LostArk/배경.pptx
@@ -104,6 +104,11 @@
       </a:defRPr>
     </a:lvl9pPr>
   </p:defaultTextStyle>
+  <p:extLst>
+    <p:ext uri="{EFAFB233-063F-42B5-8137-9DF3F51BA10A}">
+      <p15:sldGuideLst xmlns:p15="http://schemas.microsoft.com/office/powerpoint/2012/main"/>
+    </p:ext>
+  </p:extLst>
 </p:presentation>
 </file>
 
@@ -3329,412 +3334,6 @@
           <a:chExt cx="0" cy="0"/>
         </a:xfrm>
       </p:grpSpPr>
-      <p:sp>
-        <p:nvSpPr>
-          <p:cNvPr id="5" name="TextBox 4">
-            <a:extLst>
-              <a:ext uri="{FF2B5EF4-FFF2-40B4-BE49-F238E27FC236}">
-                <a16:creationId xmlns:a16="http://schemas.microsoft.com/office/drawing/2014/main" id="{0AEFFF43-6BDB-C8E1-46F8-4E5F58004A24}"/>
-              </a:ext>
-            </a:extLst>
-          </p:cNvPr>
-          <p:cNvSpPr txBox="1"/>
-          <p:nvPr/>
-        </p:nvSpPr>
-        <p:spPr>
-          <a:xfrm>
-            <a:off x="333060" y="567953"/>
-            <a:ext cx="2350323" cy="6186309"/>
-          </a:xfrm>
-          <a:prstGeom prst="rect">
-            <a:avLst/>
-          </a:prstGeom>
-          <a:noFill/>
-        </p:spPr>
-        <p:txBody>
-          <a:bodyPr wrap="none" rtlCol="0">
-            <a:spAutoFit/>
-          </a:bodyPr>
-          <a:lstStyle/>
-          <a:p>
-            <a:r>
-              <a:rPr lang="ko-KR" altLang="en-US" dirty="0">
-                <a:solidFill>
-                  <a:schemeClr val="bg1"/>
-                </a:solidFill>
-              </a:rPr>
-              <a:t>도전 컨텐츠</a:t>
-            </a:r>
-            <a:endParaRPr lang="en-US" altLang="ko-KR" dirty="0">
-              <a:solidFill>
-                <a:schemeClr val="bg1"/>
-              </a:solidFill>
-            </a:endParaRPr>
-          </a:p>
-          <a:p>
-            <a:endParaRPr lang="en-US" altLang="ko-KR" dirty="0">
-              <a:solidFill>
-                <a:schemeClr val="bg1"/>
-              </a:solidFill>
-            </a:endParaRPr>
-          </a:p>
-          <a:p>
-            <a:r>
-              <a:rPr lang="ko-KR" altLang="en-US" dirty="0" err="1">
-                <a:solidFill>
-                  <a:schemeClr val="bg1"/>
-                </a:solidFill>
-              </a:rPr>
-              <a:t>쿠크세이튼</a:t>
-            </a:r>
-            <a:endParaRPr lang="en-US" altLang="ko-KR" dirty="0">
-              <a:solidFill>
-                <a:schemeClr val="bg1"/>
-              </a:solidFill>
-            </a:endParaRPr>
-          </a:p>
-          <a:p>
-            <a:endParaRPr lang="en-US" altLang="ko-KR" dirty="0">
-              <a:solidFill>
-                <a:schemeClr val="bg1"/>
-              </a:solidFill>
-            </a:endParaRPr>
-          </a:p>
-          <a:p>
-            <a:r>
-              <a:rPr lang="ko-KR" altLang="en-US" dirty="0" err="1">
-                <a:solidFill>
-                  <a:schemeClr val="bg1"/>
-                </a:solidFill>
-              </a:rPr>
-              <a:t>아브렐슈드</a:t>
-            </a:r>
-            <a:r>
-              <a:rPr lang="ko-KR" altLang="en-US" dirty="0">
-                <a:solidFill>
-                  <a:schemeClr val="bg1"/>
-                </a:solidFill>
-              </a:rPr>
-              <a:t> </a:t>
-            </a:r>
-            <a:r>
-              <a:rPr lang="ko-KR" altLang="en-US" dirty="0" err="1">
-                <a:solidFill>
-                  <a:schemeClr val="bg1"/>
-                </a:solidFill>
-              </a:rPr>
-              <a:t>노말</a:t>
-            </a:r>
-            <a:r>
-              <a:rPr lang="ko-KR" altLang="en-US" dirty="0">
-                <a:solidFill>
-                  <a:schemeClr val="bg1"/>
-                </a:solidFill>
-              </a:rPr>
-              <a:t> </a:t>
-            </a:r>
-            <a:r>
-              <a:rPr lang="en-US" altLang="ko-KR" dirty="0">
-                <a:solidFill>
-                  <a:schemeClr val="bg1"/>
-                </a:solidFill>
-              </a:rPr>
-              <a:t>1, 2</a:t>
-            </a:r>
-          </a:p>
-          <a:p>
-            <a:endParaRPr lang="en-US" altLang="ko-KR" dirty="0">
-              <a:solidFill>
-                <a:schemeClr val="bg1"/>
-              </a:solidFill>
-            </a:endParaRPr>
-          </a:p>
-          <a:p>
-            <a:r>
-              <a:rPr lang="ko-KR" altLang="en-US" dirty="0" err="1">
-                <a:solidFill>
-                  <a:schemeClr val="bg1"/>
-                </a:solidFill>
-              </a:rPr>
-              <a:t>아브렐슈드</a:t>
-            </a:r>
-            <a:r>
-              <a:rPr lang="ko-KR" altLang="en-US" dirty="0">
-                <a:solidFill>
-                  <a:schemeClr val="bg1"/>
-                </a:solidFill>
-              </a:rPr>
-              <a:t> </a:t>
-            </a:r>
-            <a:r>
-              <a:rPr lang="ko-KR" altLang="en-US" dirty="0" err="1">
-                <a:solidFill>
-                  <a:schemeClr val="bg1"/>
-                </a:solidFill>
-              </a:rPr>
-              <a:t>노말</a:t>
-            </a:r>
-            <a:r>
-              <a:rPr lang="ko-KR" altLang="en-US" dirty="0">
-                <a:solidFill>
-                  <a:schemeClr val="bg1"/>
-                </a:solidFill>
-              </a:rPr>
-              <a:t> </a:t>
-            </a:r>
-            <a:r>
-              <a:rPr lang="en-US" altLang="ko-KR" dirty="0">
-                <a:solidFill>
-                  <a:schemeClr val="bg1"/>
-                </a:solidFill>
-              </a:rPr>
-              <a:t>3, 4</a:t>
-            </a:r>
-          </a:p>
-          <a:p>
-            <a:endParaRPr lang="en-US" altLang="ko-KR" dirty="0">
-              <a:solidFill>
-                <a:schemeClr val="bg1"/>
-              </a:solidFill>
-            </a:endParaRPr>
-          </a:p>
-          <a:p>
-            <a:r>
-              <a:rPr lang="ko-KR" altLang="en-US" dirty="0" err="1">
-                <a:solidFill>
-                  <a:schemeClr val="bg1"/>
-                </a:solidFill>
-              </a:rPr>
-              <a:t>일리아칸</a:t>
-            </a:r>
-            <a:r>
-              <a:rPr lang="ko-KR" altLang="en-US" dirty="0">
-                <a:solidFill>
-                  <a:schemeClr val="bg1"/>
-                </a:solidFill>
-              </a:rPr>
-              <a:t> </a:t>
-            </a:r>
-            <a:r>
-              <a:rPr lang="ko-KR" altLang="en-US" dirty="0" err="1">
-                <a:solidFill>
-                  <a:schemeClr val="bg1"/>
-                </a:solidFill>
-              </a:rPr>
-              <a:t>에피데믹</a:t>
-            </a:r>
-            <a:endParaRPr lang="en-US" altLang="ko-KR" dirty="0">
-              <a:solidFill>
-                <a:schemeClr val="bg1"/>
-              </a:solidFill>
-            </a:endParaRPr>
-          </a:p>
-          <a:p>
-            <a:endParaRPr lang="en-US" altLang="ko-KR" dirty="0">
-              <a:solidFill>
-                <a:schemeClr val="bg1"/>
-              </a:solidFill>
-            </a:endParaRPr>
-          </a:p>
-          <a:p>
-            <a:r>
-              <a:rPr lang="ko-KR" altLang="en-US" dirty="0" err="1">
-                <a:solidFill>
-                  <a:schemeClr val="bg1"/>
-                </a:solidFill>
-              </a:rPr>
-              <a:t>아브렐슈드</a:t>
-            </a:r>
-            <a:r>
-              <a:rPr lang="ko-KR" altLang="en-US" dirty="0">
-                <a:solidFill>
-                  <a:schemeClr val="bg1"/>
-                </a:solidFill>
-              </a:rPr>
-              <a:t> 하드 </a:t>
-            </a:r>
-            <a:r>
-              <a:rPr lang="en-US" altLang="ko-KR" dirty="0">
-                <a:solidFill>
-                  <a:schemeClr val="bg1"/>
-                </a:solidFill>
-              </a:rPr>
-              <a:t>1, 2</a:t>
-            </a:r>
-          </a:p>
-          <a:p>
-            <a:endParaRPr lang="en-US" altLang="ko-KR" dirty="0">
-              <a:solidFill>
-                <a:schemeClr val="bg1"/>
-              </a:solidFill>
-            </a:endParaRPr>
-          </a:p>
-          <a:p>
-            <a:r>
-              <a:rPr lang="ko-KR" altLang="en-US" dirty="0" err="1">
-                <a:solidFill>
-                  <a:schemeClr val="bg1"/>
-                </a:solidFill>
-              </a:rPr>
-              <a:t>아브렐슈드</a:t>
-            </a:r>
-            <a:r>
-              <a:rPr lang="ko-KR" altLang="en-US" dirty="0">
-                <a:solidFill>
-                  <a:schemeClr val="bg1"/>
-                </a:solidFill>
-              </a:rPr>
-              <a:t> 하드 </a:t>
-            </a:r>
-            <a:r>
-              <a:rPr lang="en-US" altLang="ko-KR" dirty="0">
-                <a:solidFill>
-                  <a:schemeClr val="bg1"/>
-                </a:solidFill>
-              </a:rPr>
-              <a:t>3, 4</a:t>
-            </a:r>
-          </a:p>
-          <a:p>
-            <a:endParaRPr lang="en-US" altLang="ko-KR" dirty="0">
-              <a:solidFill>
-                <a:schemeClr val="bg1"/>
-              </a:solidFill>
-            </a:endParaRPr>
-          </a:p>
-          <a:p>
-            <a:r>
-              <a:rPr lang="ko-KR" altLang="en-US" dirty="0" err="1">
-                <a:solidFill>
-                  <a:schemeClr val="bg1"/>
-                </a:solidFill>
-              </a:rPr>
-              <a:t>카양겔</a:t>
-            </a:r>
-            <a:r>
-              <a:rPr lang="ko-KR" altLang="en-US" dirty="0">
-                <a:solidFill>
-                  <a:schemeClr val="bg1"/>
-                </a:solidFill>
-              </a:rPr>
-              <a:t> </a:t>
-            </a:r>
-            <a:r>
-              <a:rPr lang="ko-KR" altLang="en-US" dirty="0" err="1">
-                <a:solidFill>
-                  <a:schemeClr val="bg1"/>
-                </a:solidFill>
-              </a:rPr>
-              <a:t>노말</a:t>
-            </a:r>
-            <a:endParaRPr lang="en-US" altLang="ko-KR" dirty="0">
-              <a:solidFill>
-                <a:schemeClr val="bg1"/>
-              </a:solidFill>
-            </a:endParaRPr>
-          </a:p>
-          <a:p>
-            <a:endParaRPr lang="en-US" altLang="ko-KR" dirty="0">
-              <a:solidFill>
-                <a:schemeClr val="bg1"/>
-              </a:solidFill>
-            </a:endParaRPr>
-          </a:p>
-          <a:p>
-            <a:r>
-              <a:rPr lang="ko-KR" altLang="en-US" dirty="0" err="1">
-                <a:solidFill>
-                  <a:schemeClr val="bg1"/>
-                </a:solidFill>
-              </a:rPr>
-              <a:t>카양겔</a:t>
-            </a:r>
-            <a:r>
-              <a:rPr lang="ko-KR" altLang="en-US" dirty="0">
-                <a:solidFill>
-                  <a:schemeClr val="bg1"/>
-                </a:solidFill>
-              </a:rPr>
-              <a:t> 하드</a:t>
-            </a:r>
-            <a:endParaRPr lang="en-US" altLang="ko-KR" dirty="0">
-              <a:solidFill>
-                <a:schemeClr val="bg1"/>
-              </a:solidFill>
-            </a:endParaRPr>
-          </a:p>
-          <a:p>
-            <a:endParaRPr lang="en-US" altLang="ko-KR" dirty="0">
-              <a:solidFill>
-                <a:schemeClr val="bg1"/>
-              </a:solidFill>
-            </a:endParaRPr>
-          </a:p>
-          <a:p>
-            <a:r>
-              <a:rPr lang="ko-KR" altLang="en-US" dirty="0" err="1">
-                <a:solidFill>
-                  <a:schemeClr val="bg1"/>
-                </a:solidFill>
-              </a:rPr>
-              <a:t>일리아칸</a:t>
-            </a:r>
-            <a:r>
-              <a:rPr lang="ko-KR" altLang="en-US" dirty="0">
-                <a:solidFill>
-                  <a:schemeClr val="bg1"/>
-                </a:solidFill>
-              </a:rPr>
-              <a:t> </a:t>
-            </a:r>
-            <a:r>
-              <a:rPr lang="ko-KR" altLang="en-US" dirty="0" err="1">
-                <a:solidFill>
-                  <a:schemeClr val="bg1"/>
-                </a:solidFill>
-              </a:rPr>
-              <a:t>노말</a:t>
-            </a:r>
-            <a:endParaRPr lang="en-US" altLang="ko-KR" dirty="0">
-              <a:solidFill>
-                <a:schemeClr val="bg1"/>
-              </a:solidFill>
-            </a:endParaRPr>
-          </a:p>
-          <a:p>
-            <a:endParaRPr lang="en-US" altLang="ko-KR" dirty="0">
-              <a:solidFill>
-                <a:schemeClr val="bg1"/>
-              </a:solidFill>
-            </a:endParaRPr>
-          </a:p>
-          <a:p>
-            <a:r>
-              <a:rPr lang="ko-KR" altLang="en-US" dirty="0" err="1">
-                <a:solidFill>
-                  <a:schemeClr val="bg1"/>
-                </a:solidFill>
-              </a:rPr>
-              <a:t>일리아칸</a:t>
-            </a:r>
-            <a:r>
-              <a:rPr lang="ko-KR" altLang="en-US" dirty="0">
-                <a:solidFill>
-                  <a:schemeClr val="bg1"/>
-                </a:solidFill>
-              </a:rPr>
-              <a:t> 하드</a:t>
-            </a:r>
-          </a:p>
-          <a:p>
-            <a:endParaRPr lang="ko-KR" altLang="en-US" dirty="0">
-              <a:solidFill>
-                <a:schemeClr val="bg1"/>
-              </a:solidFill>
-            </a:endParaRPr>
-          </a:p>
-        </p:txBody>
-      </p:sp>
       <p:cxnSp>
         <p:nvCxnSpPr>
           <p:cNvPr id="7" name="직선 연결선 6">
@@ -3778,10 +3377,10 @@
       </p:cxnSp>
       <p:cxnSp>
         <p:nvCxnSpPr>
-          <p:cNvPr id="9" name="직선 연결선 8">
-            <a:extLst>
-              <a:ext uri="{FF2B5EF4-FFF2-40B4-BE49-F238E27FC236}">
-                <a16:creationId xmlns:a16="http://schemas.microsoft.com/office/drawing/2014/main" id="{B5B88B9F-37F5-78D6-30B3-FC1CB93E998A}"/>
+          <p:cNvPr id="10" name="직선 연결선 9">
+            <a:extLst>
+              <a:ext uri="{FF2B5EF4-FFF2-40B4-BE49-F238E27FC236}">
+                <a16:creationId xmlns:a16="http://schemas.microsoft.com/office/drawing/2014/main" id="{DAB9521F-109E-BEEF-CC6A-2D71830EA0D5}"/>
               </a:ext>
             </a:extLst>
           </p:cNvPr>
@@ -3790,7 +3389,7 @@
         </p:nvCxnSpPr>
         <p:spPr>
           <a:xfrm>
-            <a:off x="333060" y="-78723"/>
+            <a:off x="2683383" y="-131710"/>
             <a:ext cx="0" cy="7121420"/>
           </a:xfrm>
           <a:prstGeom prst="line">
@@ -3819,10 +3418,10 @@
       </p:cxnSp>
       <p:cxnSp>
         <p:nvCxnSpPr>
-          <p:cNvPr id="10" name="직선 연결선 9">
-            <a:extLst>
-              <a:ext uri="{FF2B5EF4-FFF2-40B4-BE49-F238E27FC236}">
-                <a16:creationId xmlns:a16="http://schemas.microsoft.com/office/drawing/2014/main" id="{DAB9521F-109E-BEEF-CC6A-2D71830EA0D5}"/>
+          <p:cNvPr id="25" name="직선 연결선 24">
+            <a:extLst>
+              <a:ext uri="{FF2B5EF4-FFF2-40B4-BE49-F238E27FC236}">
+                <a16:creationId xmlns:a16="http://schemas.microsoft.com/office/drawing/2014/main" id="{C765E955-272F-389A-9E69-AC9961C76675}"/>
               </a:ext>
             </a:extLst>
           </p:cNvPr>
@@ -3831,7 +3430,454 @@
         </p:nvCxnSpPr>
         <p:spPr>
           <a:xfrm>
-            <a:off x="2683383" y="-131710"/>
+            <a:off x="3291298" y="261952"/>
+            <a:ext cx="12434637" cy="0"/>
+          </a:xfrm>
+          <a:prstGeom prst="line">
+            <a:avLst/>
+          </a:prstGeom>
+          <a:ln>
+            <a:solidFill>
+              <a:schemeClr val="tx1"/>
+            </a:solidFill>
+          </a:ln>
+        </p:spPr>
+        <p:style>
+          <a:lnRef idx="1">
+            <a:schemeClr val="accent1"/>
+          </a:lnRef>
+          <a:fillRef idx="0">
+            <a:schemeClr val="accent1"/>
+          </a:fillRef>
+          <a:effectRef idx="0">
+            <a:schemeClr val="accent1"/>
+          </a:effectRef>
+          <a:fontRef idx="minor">
+            <a:schemeClr val="tx1"/>
+          </a:fontRef>
+        </p:style>
+      </p:cxnSp>
+      <p:sp>
+        <p:nvSpPr>
+          <p:cNvPr id="5" name="TextBox 4">
+            <a:extLst>
+              <a:ext uri="{FF2B5EF4-FFF2-40B4-BE49-F238E27FC236}">
+                <a16:creationId xmlns:a16="http://schemas.microsoft.com/office/drawing/2014/main" id="{0AEFFF43-6BDB-C8E1-46F8-4E5F58004A24}"/>
+              </a:ext>
+            </a:extLst>
+          </p:cNvPr>
+          <p:cNvSpPr txBox="1"/>
+          <p:nvPr/>
+        </p:nvSpPr>
+        <p:spPr>
+          <a:xfrm>
+            <a:off x="333060" y="567953"/>
+            <a:ext cx="2350323" cy="6186309"/>
+          </a:xfrm>
+          <a:prstGeom prst="rect">
+            <a:avLst/>
+          </a:prstGeom>
+          <a:noFill/>
+        </p:spPr>
+        <p:txBody>
+          <a:bodyPr wrap="none" rtlCol="0">
+            <a:spAutoFit/>
+          </a:bodyPr>
+          <a:lstStyle/>
+          <a:p>
+            <a:r>
+              <a:rPr lang="ko-KR" altLang="en-US" dirty="0">
+                <a:solidFill>
+                  <a:schemeClr val="bg1"/>
+                </a:solidFill>
+              </a:rPr>
+              <a:t>도전 컨텐츠</a:t>
+            </a:r>
+            <a:endParaRPr lang="en-US" altLang="ko-KR" dirty="0">
+              <a:solidFill>
+                <a:schemeClr val="bg1"/>
+              </a:solidFill>
+            </a:endParaRPr>
+          </a:p>
+          <a:p>
+            <a:endParaRPr lang="en-US" altLang="ko-KR" dirty="0">
+              <a:solidFill>
+                <a:schemeClr val="bg1"/>
+              </a:solidFill>
+            </a:endParaRPr>
+          </a:p>
+          <a:p>
+            <a:r>
+              <a:rPr lang="ko-KR" altLang="en-US" dirty="0" err="1">
+                <a:solidFill>
+                  <a:schemeClr val="bg1"/>
+                </a:solidFill>
+              </a:rPr>
+              <a:t>쿠크세이튼</a:t>
+            </a:r>
+            <a:endParaRPr lang="en-US" altLang="ko-KR" dirty="0">
+              <a:solidFill>
+                <a:schemeClr val="bg1"/>
+              </a:solidFill>
+            </a:endParaRPr>
+          </a:p>
+          <a:p>
+            <a:endParaRPr lang="en-US" altLang="ko-KR" dirty="0">
+              <a:solidFill>
+                <a:schemeClr val="bg1"/>
+              </a:solidFill>
+            </a:endParaRPr>
+          </a:p>
+          <a:p>
+            <a:r>
+              <a:rPr lang="ko-KR" altLang="en-US" dirty="0" err="1">
+                <a:solidFill>
+                  <a:schemeClr val="bg1"/>
+                </a:solidFill>
+              </a:rPr>
+              <a:t>아브렐슈드</a:t>
+            </a:r>
+            <a:r>
+              <a:rPr lang="ko-KR" altLang="en-US" dirty="0">
+                <a:solidFill>
+                  <a:schemeClr val="bg1"/>
+                </a:solidFill>
+              </a:rPr>
+              <a:t> </a:t>
+            </a:r>
+            <a:r>
+              <a:rPr lang="ko-KR" altLang="en-US" dirty="0" err="1">
+                <a:solidFill>
+                  <a:schemeClr val="bg1"/>
+                </a:solidFill>
+              </a:rPr>
+              <a:t>노말</a:t>
+            </a:r>
+            <a:r>
+              <a:rPr lang="ko-KR" altLang="en-US" dirty="0">
+                <a:solidFill>
+                  <a:schemeClr val="bg1"/>
+                </a:solidFill>
+              </a:rPr>
+              <a:t> </a:t>
+            </a:r>
+            <a:r>
+              <a:rPr lang="en-US" altLang="ko-KR" dirty="0">
+                <a:solidFill>
+                  <a:schemeClr val="bg1"/>
+                </a:solidFill>
+              </a:rPr>
+              <a:t>1, 2</a:t>
+            </a:r>
+          </a:p>
+          <a:p>
+            <a:endParaRPr lang="en-US" altLang="ko-KR" dirty="0">
+              <a:solidFill>
+                <a:schemeClr val="bg1"/>
+              </a:solidFill>
+            </a:endParaRPr>
+          </a:p>
+          <a:p>
+            <a:r>
+              <a:rPr lang="ko-KR" altLang="en-US" dirty="0" err="1">
+                <a:solidFill>
+                  <a:schemeClr val="bg1"/>
+                </a:solidFill>
+              </a:rPr>
+              <a:t>아브렐슈드</a:t>
+            </a:r>
+            <a:r>
+              <a:rPr lang="ko-KR" altLang="en-US" dirty="0">
+                <a:solidFill>
+                  <a:schemeClr val="bg1"/>
+                </a:solidFill>
+              </a:rPr>
+              <a:t> </a:t>
+            </a:r>
+            <a:r>
+              <a:rPr lang="ko-KR" altLang="en-US" dirty="0" err="1">
+                <a:solidFill>
+                  <a:schemeClr val="bg1"/>
+                </a:solidFill>
+              </a:rPr>
+              <a:t>노말</a:t>
+            </a:r>
+            <a:r>
+              <a:rPr lang="ko-KR" altLang="en-US" dirty="0">
+                <a:solidFill>
+                  <a:schemeClr val="bg1"/>
+                </a:solidFill>
+              </a:rPr>
+              <a:t> </a:t>
+            </a:r>
+            <a:r>
+              <a:rPr lang="en-US" altLang="ko-KR" dirty="0">
+                <a:solidFill>
+                  <a:schemeClr val="bg1"/>
+                </a:solidFill>
+              </a:rPr>
+              <a:t>3, 4</a:t>
+            </a:r>
+          </a:p>
+          <a:p>
+            <a:endParaRPr lang="en-US" altLang="ko-KR" dirty="0">
+              <a:solidFill>
+                <a:schemeClr val="bg1"/>
+              </a:solidFill>
+            </a:endParaRPr>
+          </a:p>
+          <a:p>
+            <a:r>
+              <a:rPr lang="ko-KR" altLang="en-US" dirty="0" err="1">
+                <a:solidFill>
+                  <a:schemeClr val="bg1"/>
+                </a:solidFill>
+              </a:rPr>
+              <a:t>일리아칸</a:t>
+            </a:r>
+            <a:r>
+              <a:rPr lang="ko-KR" altLang="en-US" dirty="0">
+                <a:solidFill>
+                  <a:schemeClr val="bg1"/>
+                </a:solidFill>
+              </a:rPr>
+              <a:t> </a:t>
+            </a:r>
+            <a:r>
+              <a:rPr lang="ko-KR" altLang="en-US" dirty="0" err="1">
+                <a:solidFill>
+                  <a:schemeClr val="bg1"/>
+                </a:solidFill>
+              </a:rPr>
+              <a:t>에피데믹</a:t>
+            </a:r>
+            <a:endParaRPr lang="en-US" altLang="ko-KR" dirty="0">
+              <a:solidFill>
+                <a:schemeClr val="bg1"/>
+              </a:solidFill>
+            </a:endParaRPr>
+          </a:p>
+          <a:p>
+            <a:endParaRPr lang="en-US" altLang="ko-KR" dirty="0">
+              <a:solidFill>
+                <a:schemeClr val="bg1"/>
+              </a:solidFill>
+            </a:endParaRPr>
+          </a:p>
+          <a:p>
+            <a:r>
+              <a:rPr lang="ko-KR" altLang="en-US" dirty="0" err="1">
+                <a:solidFill>
+                  <a:schemeClr val="bg1"/>
+                </a:solidFill>
+              </a:rPr>
+              <a:t>아브렐슈드</a:t>
+            </a:r>
+            <a:r>
+              <a:rPr lang="ko-KR" altLang="en-US" dirty="0">
+                <a:solidFill>
+                  <a:schemeClr val="bg1"/>
+                </a:solidFill>
+              </a:rPr>
+              <a:t> 하드 </a:t>
+            </a:r>
+            <a:r>
+              <a:rPr lang="en-US" altLang="ko-KR" dirty="0">
+                <a:solidFill>
+                  <a:schemeClr val="bg1"/>
+                </a:solidFill>
+              </a:rPr>
+              <a:t>1, 2</a:t>
+            </a:r>
+          </a:p>
+          <a:p>
+            <a:endParaRPr lang="en-US" altLang="ko-KR" dirty="0">
+              <a:solidFill>
+                <a:schemeClr val="bg1"/>
+              </a:solidFill>
+            </a:endParaRPr>
+          </a:p>
+          <a:p>
+            <a:r>
+              <a:rPr lang="ko-KR" altLang="en-US" dirty="0" err="1">
+                <a:solidFill>
+                  <a:schemeClr val="bg1"/>
+                </a:solidFill>
+              </a:rPr>
+              <a:t>아브렐슈드</a:t>
+            </a:r>
+            <a:r>
+              <a:rPr lang="ko-KR" altLang="en-US" dirty="0">
+                <a:solidFill>
+                  <a:schemeClr val="bg1"/>
+                </a:solidFill>
+              </a:rPr>
+              <a:t> 하드 </a:t>
+            </a:r>
+            <a:r>
+              <a:rPr lang="en-US" altLang="ko-KR" dirty="0">
+                <a:solidFill>
+                  <a:schemeClr val="bg1"/>
+                </a:solidFill>
+              </a:rPr>
+              <a:t>3, 4</a:t>
+            </a:r>
+          </a:p>
+          <a:p>
+            <a:endParaRPr lang="en-US" altLang="ko-KR" dirty="0">
+              <a:solidFill>
+                <a:schemeClr val="bg1"/>
+              </a:solidFill>
+            </a:endParaRPr>
+          </a:p>
+          <a:p>
+            <a:r>
+              <a:rPr lang="ko-KR" altLang="en-US" dirty="0" err="1">
+                <a:solidFill>
+                  <a:schemeClr val="bg1"/>
+                </a:solidFill>
+              </a:rPr>
+              <a:t>카양겔</a:t>
+            </a:r>
+            <a:r>
+              <a:rPr lang="ko-KR" altLang="en-US" dirty="0">
+                <a:solidFill>
+                  <a:schemeClr val="bg1"/>
+                </a:solidFill>
+              </a:rPr>
+              <a:t> </a:t>
+            </a:r>
+            <a:r>
+              <a:rPr lang="ko-KR" altLang="en-US" dirty="0" err="1">
+                <a:solidFill>
+                  <a:schemeClr val="bg1"/>
+                </a:solidFill>
+              </a:rPr>
+              <a:t>노말</a:t>
+            </a:r>
+            <a:endParaRPr lang="en-US" altLang="ko-KR" dirty="0">
+              <a:solidFill>
+                <a:schemeClr val="bg1"/>
+              </a:solidFill>
+            </a:endParaRPr>
+          </a:p>
+          <a:p>
+            <a:endParaRPr lang="en-US" altLang="ko-KR" dirty="0">
+              <a:solidFill>
+                <a:schemeClr val="bg1"/>
+              </a:solidFill>
+            </a:endParaRPr>
+          </a:p>
+          <a:p>
+            <a:r>
+              <a:rPr lang="ko-KR" altLang="en-US" dirty="0" err="1">
+                <a:solidFill>
+                  <a:schemeClr val="bg1"/>
+                </a:solidFill>
+              </a:rPr>
+              <a:t>카양겔</a:t>
+            </a:r>
+            <a:r>
+              <a:rPr lang="ko-KR" altLang="en-US" dirty="0">
+                <a:solidFill>
+                  <a:schemeClr val="bg1"/>
+                </a:solidFill>
+              </a:rPr>
+              <a:t> 하드</a:t>
+            </a:r>
+            <a:endParaRPr lang="en-US" altLang="ko-KR" dirty="0">
+              <a:solidFill>
+                <a:schemeClr val="bg1"/>
+              </a:solidFill>
+            </a:endParaRPr>
+          </a:p>
+          <a:p>
+            <a:endParaRPr lang="en-US" altLang="ko-KR" dirty="0">
+              <a:solidFill>
+                <a:schemeClr val="bg1"/>
+              </a:solidFill>
+            </a:endParaRPr>
+          </a:p>
+          <a:p>
+            <a:r>
+              <a:rPr lang="ko-KR" altLang="en-US" dirty="0" err="1">
+                <a:solidFill>
+                  <a:schemeClr val="bg1"/>
+                </a:solidFill>
+              </a:rPr>
+              <a:t>일리아칸</a:t>
+            </a:r>
+            <a:r>
+              <a:rPr lang="ko-KR" altLang="en-US" dirty="0">
+                <a:solidFill>
+                  <a:schemeClr val="bg1"/>
+                </a:solidFill>
+              </a:rPr>
+              <a:t> </a:t>
+            </a:r>
+            <a:r>
+              <a:rPr lang="ko-KR" altLang="en-US" dirty="0" err="1">
+                <a:solidFill>
+                  <a:schemeClr val="bg1"/>
+                </a:solidFill>
+              </a:rPr>
+              <a:t>노말</a:t>
+            </a:r>
+            <a:endParaRPr lang="en-US" altLang="ko-KR" dirty="0">
+              <a:solidFill>
+                <a:schemeClr val="bg1"/>
+              </a:solidFill>
+            </a:endParaRPr>
+          </a:p>
+          <a:p>
+            <a:endParaRPr lang="en-US" altLang="ko-KR" dirty="0">
+              <a:solidFill>
+                <a:schemeClr val="bg1"/>
+              </a:solidFill>
+            </a:endParaRPr>
+          </a:p>
+          <a:p>
+            <a:r>
+              <a:rPr lang="ko-KR" altLang="en-US" dirty="0" err="1">
+                <a:solidFill>
+                  <a:schemeClr val="bg1"/>
+                </a:solidFill>
+              </a:rPr>
+              <a:t>일리아칸</a:t>
+            </a:r>
+            <a:r>
+              <a:rPr lang="ko-KR" altLang="en-US" dirty="0">
+                <a:solidFill>
+                  <a:schemeClr val="bg1"/>
+                </a:solidFill>
+              </a:rPr>
+              <a:t> 하드</a:t>
+            </a:r>
+          </a:p>
+          <a:p>
+            <a:endParaRPr lang="ko-KR" altLang="en-US" dirty="0">
+              <a:solidFill>
+                <a:schemeClr val="bg1"/>
+              </a:solidFill>
+            </a:endParaRPr>
+          </a:p>
+        </p:txBody>
+      </p:sp>
+      <p:cxnSp>
+        <p:nvCxnSpPr>
+          <p:cNvPr id="9" name="직선 연결선 8">
+            <a:extLst>
+              <a:ext uri="{FF2B5EF4-FFF2-40B4-BE49-F238E27FC236}">
+                <a16:creationId xmlns:a16="http://schemas.microsoft.com/office/drawing/2014/main" id="{B5B88B9F-37F5-78D6-30B3-FC1CB93E998A}"/>
+              </a:ext>
+            </a:extLst>
+          </p:cNvPr>
+          <p:cNvCxnSpPr/>
+          <p:nvPr/>
+        </p:nvCxnSpPr>
+        <p:spPr>
+          <a:xfrm>
+            <a:off x="333060" y="-78723"/>
             <a:ext cx="0" cy="7121420"/>
           </a:xfrm>
           <a:prstGeom prst="line">
@@ -4564,47 +4610,6 @@
           </a:p>
         </p:txBody>
       </p:sp>
-      <p:cxnSp>
-        <p:nvCxnSpPr>
-          <p:cNvPr id="25" name="직선 연결선 24">
-            <a:extLst>
-              <a:ext uri="{FF2B5EF4-FFF2-40B4-BE49-F238E27FC236}">
-                <a16:creationId xmlns:a16="http://schemas.microsoft.com/office/drawing/2014/main" id="{C765E955-272F-389A-9E69-AC9961C76675}"/>
-              </a:ext>
-            </a:extLst>
-          </p:cNvPr>
-          <p:cNvCxnSpPr/>
-          <p:nvPr/>
-        </p:nvCxnSpPr>
-        <p:spPr>
-          <a:xfrm>
-            <a:off x="3291298" y="261952"/>
-            <a:ext cx="12434637" cy="0"/>
-          </a:xfrm>
-          <a:prstGeom prst="line">
-            <a:avLst/>
-          </a:prstGeom>
-          <a:ln>
-            <a:solidFill>
-              <a:schemeClr val="tx1"/>
-            </a:solidFill>
-          </a:ln>
-        </p:spPr>
-        <p:style>
-          <a:lnRef idx="1">
-            <a:schemeClr val="accent1"/>
-          </a:lnRef>
-          <a:fillRef idx="0">
-            <a:schemeClr val="accent1"/>
-          </a:fillRef>
-          <a:effectRef idx="0">
-            <a:schemeClr val="accent1"/>
-          </a:effectRef>
-          <a:fontRef idx="minor">
-            <a:schemeClr val="tx1"/>
-          </a:fontRef>
-        </p:style>
-      </p:cxnSp>
     </p:spTree>
     <p:extLst>
       <p:ext uri="{BB962C8B-B14F-4D97-AF65-F5344CB8AC3E}">
